--- a/프로젝트/er다이어그램.pptx
+++ b/프로젝트/er다이어그램.pptx
@@ -255,7 +255,7 @@
           <a:p>
             <a:fld id="{77437C79-4FFD-4BEA-A225-AC060E1A65F2}" type="datetimeFigureOut">
               <a:rPr lang="ko-KR" altLang="en-US" smtClean="0"/>
-              <a:t>2021-12-10</a:t>
+              <a:t>2021-12-18</a:t>
             </a:fld>
             <a:endParaRPr lang="ko-KR" altLang="en-US"/>
           </a:p>
@@ -423,7 +423,7 @@
           <a:p>
             <a:fld id="{77437C79-4FFD-4BEA-A225-AC060E1A65F2}" type="datetimeFigureOut">
               <a:rPr lang="ko-KR" altLang="en-US" smtClean="0"/>
-              <a:t>2021-12-10</a:t>
+              <a:t>2021-12-18</a:t>
             </a:fld>
             <a:endParaRPr lang="ko-KR" altLang="en-US"/>
           </a:p>
@@ -601,7 +601,7 @@
           <a:p>
             <a:fld id="{77437C79-4FFD-4BEA-A225-AC060E1A65F2}" type="datetimeFigureOut">
               <a:rPr lang="ko-KR" altLang="en-US" smtClean="0"/>
-              <a:t>2021-12-10</a:t>
+              <a:t>2021-12-18</a:t>
             </a:fld>
             <a:endParaRPr lang="ko-KR" altLang="en-US"/>
           </a:p>
@@ -769,7 +769,7 @@
           <a:p>
             <a:fld id="{77437C79-4FFD-4BEA-A225-AC060E1A65F2}" type="datetimeFigureOut">
               <a:rPr lang="ko-KR" altLang="en-US" smtClean="0"/>
-              <a:t>2021-12-10</a:t>
+              <a:t>2021-12-18</a:t>
             </a:fld>
             <a:endParaRPr lang="ko-KR" altLang="en-US"/>
           </a:p>
@@ -1014,7 +1014,7 @@
           <a:p>
             <a:fld id="{77437C79-4FFD-4BEA-A225-AC060E1A65F2}" type="datetimeFigureOut">
               <a:rPr lang="ko-KR" altLang="en-US" smtClean="0"/>
-              <a:t>2021-12-10</a:t>
+              <a:t>2021-12-18</a:t>
             </a:fld>
             <a:endParaRPr lang="ko-KR" altLang="en-US"/>
           </a:p>
@@ -1243,7 +1243,7 @@
           <a:p>
             <a:fld id="{77437C79-4FFD-4BEA-A225-AC060E1A65F2}" type="datetimeFigureOut">
               <a:rPr lang="ko-KR" altLang="en-US" smtClean="0"/>
-              <a:t>2021-12-10</a:t>
+              <a:t>2021-12-18</a:t>
             </a:fld>
             <a:endParaRPr lang="ko-KR" altLang="en-US"/>
           </a:p>
@@ -1607,7 +1607,7 @@
           <a:p>
             <a:fld id="{77437C79-4FFD-4BEA-A225-AC060E1A65F2}" type="datetimeFigureOut">
               <a:rPr lang="ko-KR" altLang="en-US" smtClean="0"/>
-              <a:t>2021-12-10</a:t>
+              <a:t>2021-12-18</a:t>
             </a:fld>
             <a:endParaRPr lang="ko-KR" altLang="en-US"/>
           </a:p>
@@ -1724,7 +1724,7 @@
           <a:p>
             <a:fld id="{77437C79-4FFD-4BEA-A225-AC060E1A65F2}" type="datetimeFigureOut">
               <a:rPr lang="ko-KR" altLang="en-US" smtClean="0"/>
-              <a:t>2021-12-10</a:t>
+              <a:t>2021-12-18</a:t>
             </a:fld>
             <a:endParaRPr lang="ko-KR" altLang="en-US"/>
           </a:p>
@@ -1819,7 +1819,7 @@
           <a:p>
             <a:fld id="{77437C79-4FFD-4BEA-A225-AC060E1A65F2}" type="datetimeFigureOut">
               <a:rPr lang="ko-KR" altLang="en-US" smtClean="0"/>
-              <a:t>2021-12-10</a:t>
+              <a:t>2021-12-18</a:t>
             </a:fld>
             <a:endParaRPr lang="ko-KR" altLang="en-US"/>
           </a:p>
@@ -2094,7 +2094,7 @@
           <a:p>
             <a:fld id="{77437C79-4FFD-4BEA-A225-AC060E1A65F2}" type="datetimeFigureOut">
               <a:rPr lang="ko-KR" altLang="en-US" smtClean="0"/>
-              <a:t>2021-12-10</a:t>
+              <a:t>2021-12-18</a:t>
             </a:fld>
             <a:endParaRPr lang="ko-KR" altLang="en-US"/>
           </a:p>
@@ -2346,7 +2346,7 @@
           <a:p>
             <a:fld id="{77437C79-4FFD-4BEA-A225-AC060E1A65F2}" type="datetimeFigureOut">
               <a:rPr lang="ko-KR" altLang="en-US" smtClean="0"/>
-              <a:t>2021-12-10</a:t>
+              <a:t>2021-12-18</a:t>
             </a:fld>
             <a:endParaRPr lang="ko-KR" altLang="en-US"/>
           </a:p>
@@ -2557,7 +2557,7 @@
           <a:p>
             <a:fld id="{77437C79-4FFD-4BEA-A225-AC060E1A65F2}" type="datetimeFigureOut">
               <a:rPr lang="ko-KR" altLang="en-US" smtClean="0"/>
-              <a:t>2021-12-10</a:t>
+              <a:t>2021-12-18</a:t>
             </a:fld>
             <a:endParaRPr lang="ko-KR" altLang="en-US"/>
           </a:p>
@@ -6648,7 +6648,7 @@
           <p:nvPr>
             <p:extLst>
               <p:ext uri="{D42A27DB-BD31-4B8C-83A1-F6EECF244321}">
-                <p14:modId xmlns:p14="http://schemas.microsoft.com/office/powerpoint/2010/main" val="2342532929"/>
+                <p14:modId xmlns:p14="http://schemas.microsoft.com/office/powerpoint/2010/main" val="1100344778"/>
               </p:ext>
             </p:extLst>
           </p:nvPr>
@@ -6743,16 +6743,17 @@
                       <a:pPr algn="ctr" latinLnBrk="1"/>
                       <a:r>
                         <a:rPr lang="ko-KR" altLang="en-US" sz="1400" dirty="0"/>
-                        <a:t>외형</a:t>
+                        <a:t>주는 골드</a:t>
                       </a:r>
                       <a:endParaRPr lang="en-US" altLang="ko-KR" sz="1400" dirty="0"/>
                     </a:p>
                     <a:p>
                       <a:pPr algn="ctr" latinLnBrk="1"/>
                       <a:r>
-                        <a:rPr lang="ko-KR" altLang="en-US" sz="1400" dirty="0"/>
-                        <a:t>주는 골드</a:t>
-                      </a:r>
+                        <a:rPr lang="ko-KR" altLang="en-US" sz="1400"/>
+                        <a:t>외형</a:t>
+                      </a:r>
+                      <a:endParaRPr lang="en-US" altLang="ko-KR" sz="1400"/>
                     </a:p>
                   </a:txBody>
                   <a:tcPr marL="121920" marR="121920"/>
@@ -7209,14 +7210,14 @@
           <p:nvPr>
             <p:extLst>
               <p:ext uri="{D42A27DB-BD31-4B8C-83A1-F6EECF244321}">
-                <p14:modId xmlns:p14="http://schemas.microsoft.com/office/powerpoint/2010/main" val="1362500837"/>
+                <p14:modId xmlns:p14="http://schemas.microsoft.com/office/powerpoint/2010/main" val="2216611662"/>
               </p:ext>
             </p:extLst>
           </p:nvPr>
         </p:nvGraphicFramePr>
         <p:xfrm>
-          <a:off x="5154051" y="3181228"/>
-          <a:ext cx="1226201" cy="1287970"/>
+          <a:off x="5154048" y="3314767"/>
+          <a:ext cx="1226201" cy="1104697"/>
         </p:xfrm>
         <a:graphic>
           <a:graphicData uri="http://schemas.openxmlformats.org/drawingml/2006/table">
@@ -7233,7 +7234,7 @@
                   </a:extLst>
                 </a:gridCol>
               </a:tblGrid>
-              <a:tr h="257579">
+              <a:tr h="270781">
                 <a:tc>
                   <a:txBody>
                     <a:bodyPr/>
@@ -7254,7 +7255,7 @@
                   </a:ext>
                 </a:extLst>
               </a:tr>
-              <a:tr h="952690">
+              <a:tr h="769417">
                 <a:tc>
                   <a:txBody>
                     <a:bodyPr/>
@@ -7342,15 +7343,16 @@
         <p:nvCxnSpPr>
           <p:cNvPr id="144" name="직선 화살표 연결선 143"/>
           <p:cNvCxnSpPr>
+            <a:cxnSpLocks/>
             <a:stCxn id="139" idx="2"/>
             <a:endCxn id="138" idx="0"/>
           </p:cNvCxnSpPr>
           <p:nvPr/>
         </p:nvCxnSpPr>
         <p:spPr>
-          <a:xfrm>
-            <a:off x="5767150" y="2486411"/>
-            <a:ext cx="1" cy="694817"/>
+          <a:xfrm flipH="1">
+            <a:off x="5767148" y="2486411"/>
+            <a:ext cx="2" cy="828356"/>
           </a:xfrm>
           <a:prstGeom prst="straightConnector1">
             <a:avLst/>
@@ -7453,15 +7455,16 @@
         <p:nvCxnSpPr>
           <p:cNvPr id="164" name="직선 화살표 연결선 163"/>
           <p:cNvCxnSpPr>
+            <a:cxnSpLocks/>
             <a:stCxn id="163" idx="0"/>
             <a:endCxn id="138" idx="2"/>
           </p:cNvCxnSpPr>
           <p:nvPr/>
         </p:nvCxnSpPr>
         <p:spPr>
-          <a:xfrm flipV="1">
-            <a:off x="5767151" y="4469198"/>
-            <a:ext cx="0" cy="756428"/>
+          <a:xfrm flipH="1" flipV="1">
+            <a:off x="5767148" y="4419464"/>
+            <a:ext cx="3" cy="806162"/>
           </a:xfrm>
           <a:prstGeom prst="straightConnector1">
             <a:avLst/>
